--- a/Documentation/pre.pptx
+++ b/Documentation/pre.pptx
@@ -4788,10 +4788,40 @@
       </p:grpSpPr>
       <p:pic>
         <p:nvPicPr>
-          <p:cNvPr id="3" name="图片 2">
-            <a:extLst>
-              <a:ext uri="{FF2B5EF4-FFF2-40B4-BE49-F238E27FC236}">
-                <a16:creationId xmlns:a16="http://schemas.microsoft.com/office/drawing/2014/main" id="{2A760B69-2C2D-4154-A21A-B3FBA29D4766}"/>
+          <p:cNvPr id="9" name="图片 8">
+            <a:extLst>
+              <a:ext uri="{FF2B5EF4-FFF2-40B4-BE49-F238E27FC236}">
+                <a16:creationId xmlns:a16="http://schemas.microsoft.com/office/drawing/2014/main" id="{4DD11E22-624A-48C9-976B-94A2FE665B56}"/>
+              </a:ext>
+            </a:extLst>
+          </p:cNvPr>
+          <p:cNvPicPr>
+            <a:picLocks noChangeAspect="1"/>
+          </p:cNvPicPr>
+          <p:nvPr/>
+        </p:nvPicPr>
+        <p:blipFill>
+          <a:blip r:embed="rId2"/>
+          <a:stretch>
+            <a:fillRect/>
+          </a:stretch>
+        </p:blipFill>
+        <p:spPr>
+          <a:xfrm>
+            <a:off x="6687140" y="1277675"/>
+            <a:ext cx="3305636" cy="2200582"/>
+          </a:xfrm>
+          <a:prstGeom prst="rect">
+            <a:avLst/>
+          </a:prstGeom>
+        </p:spPr>
+      </p:pic>
+      <p:pic>
+        <p:nvPicPr>
+          <p:cNvPr id="5" name="图片 4">
+            <a:extLst>
+              <a:ext uri="{FF2B5EF4-FFF2-40B4-BE49-F238E27FC236}">
+                <a16:creationId xmlns:a16="http://schemas.microsoft.com/office/drawing/2014/main" id="{099D71CD-7385-41A2-AAAB-92491491146D}"/>
               </a:ext>
             </a:extLst>
           </p:cNvPr>
@@ -4801,14 +4831,14 @@
           <p:nvPr/>
         </p:nvPicPr>
         <p:blipFill rotWithShape="1">
-          <a:blip r:embed="rId2"/>
-          <a:srcRect t="5996"/>
+          <a:blip r:embed="rId3"/>
+          <a:srcRect b="17373"/>
           <a:stretch/>
         </p:blipFill>
         <p:spPr>
           <a:xfrm>
-            <a:off x="514488" y="404648"/>
-            <a:ext cx="5077534" cy="1153596"/>
+            <a:off x="249226" y="240167"/>
+            <a:ext cx="5639587" cy="1128430"/>
           </a:xfrm>
           <a:prstGeom prst="rect">
             <a:avLst/>
@@ -4817,10 +4847,10 @@
       </p:pic>
       <p:pic>
         <p:nvPicPr>
-          <p:cNvPr id="9" name="图片 8">
-            <a:extLst>
-              <a:ext uri="{FF2B5EF4-FFF2-40B4-BE49-F238E27FC236}">
-                <a16:creationId xmlns:a16="http://schemas.microsoft.com/office/drawing/2014/main" id="{4DD11E22-624A-48C9-976B-94A2FE665B56}"/>
+          <p:cNvPr id="7" name="图片 6">
+            <a:extLst>
+              <a:ext uri="{FF2B5EF4-FFF2-40B4-BE49-F238E27FC236}">
+                <a16:creationId xmlns:a16="http://schemas.microsoft.com/office/drawing/2014/main" id="{48F1E1AB-7233-465E-B729-06F6DD34433C}"/>
               </a:ext>
             </a:extLst>
           </p:cNvPr>
@@ -4830,44 +4860,15 @@
           <p:nvPr/>
         </p:nvPicPr>
         <p:blipFill>
-          <a:blip r:embed="rId3"/>
+          <a:blip r:embed="rId4"/>
           <a:stretch>
             <a:fillRect/>
           </a:stretch>
         </p:blipFill>
         <p:spPr>
           <a:xfrm>
-            <a:off x="6687140" y="1277675"/>
-            <a:ext cx="3305636" cy="2200582"/>
-          </a:xfrm>
-          <a:prstGeom prst="rect">
-            <a:avLst/>
-          </a:prstGeom>
-        </p:spPr>
-      </p:pic>
-      <p:pic>
-        <p:nvPicPr>
-          <p:cNvPr id="4" name="图片 3">
-            <a:extLst>
-              <a:ext uri="{FF2B5EF4-FFF2-40B4-BE49-F238E27FC236}">
-                <a16:creationId xmlns:a16="http://schemas.microsoft.com/office/drawing/2014/main" id="{9FC751F5-2574-45C7-AE45-1E0505F36DE1}"/>
-              </a:ext>
-            </a:extLst>
-          </p:cNvPr>
-          <p:cNvPicPr>
-            <a:picLocks noChangeAspect="1"/>
-          </p:cNvPicPr>
-          <p:nvPr/>
-        </p:nvPicPr>
-        <p:blipFill rotWithShape="1">
-          <a:blip r:embed="rId4"/>
-          <a:srcRect t="2286"/>
-          <a:stretch/>
-        </p:blipFill>
-        <p:spPr>
-          <a:xfrm>
-            <a:off x="396728" y="1413640"/>
-            <a:ext cx="5273603" cy="4890727"/>
+            <a:off x="249227" y="1317811"/>
+            <a:ext cx="5639587" cy="5468113"/>
           </a:xfrm>
           <a:prstGeom prst="rect">
             <a:avLst/>
